--- a/slides/13-EDA.pptx
+++ b/slides/13-EDA.pptx
@@ -226,7 +226,7 @@
           <a:p>
             <a:fld id="{3CBB8A52-8AC5-C74C-97FB-632C448F3674}" type="datetimeFigureOut">
               <a:rPr lang="en-US" smtClean="0"/>
-              <a:t>3/5/24</a:t>
+              <a:t>3/18/24</a:t>
             </a:fld>
             <a:endParaRPr lang="en-US"/>
           </a:p>
@@ -3070,7 +3070,7 @@
             <a:fld id="{5586B75A-687E-405C-8A0B-8D00578BA2C3}" type="datetimeFigureOut">
               <a:rPr lang="en-US" smtClean="0"/>
               <a:pPr/>
-              <a:t>3/5/24</a:t>
+              <a:t>3/18/24</a:t>
             </a:fld>
             <a:endParaRPr lang="en-US" dirty="0"/>
           </a:p>
@@ -3242,7 +3242,7 @@
             <a:fld id="{5586B75A-687E-405C-8A0B-8D00578BA2C3}" type="datetimeFigureOut">
               <a:rPr lang="en-US" smtClean="0"/>
               <a:pPr/>
-              <a:t>3/5/24</a:t>
+              <a:t>3/18/24</a:t>
             </a:fld>
             <a:endParaRPr lang="en-US" dirty="0"/>
           </a:p>
@@ -3424,7 +3424,7 @@
             <a:fld id="{5586B75A-687E-405C-8A0B-8D00578BA2C3}" type="datetimeFigureOut">
               <a:rPr lang="en-US" smtClean="0"/>
               <a:pPr/>
-              <a:t>3/5/24</a:t>
+              <a:t>3/18/24</a:t>
             </a:fld>
             <a:endParaRPr lang="en-US" dirty="0"/>
           </a:p>
@@ -3596,7 +3596,7 @@
             <a:fld id="{5586B75A-687E-405C-8A0B-8D00578BA2C3}" type="datetimeFigureOut">
               <a:rPr lang="en-US" smtClean="0"/>
               <a:pPr/>
-              <a:t>3/5/24</a:t>
+              <a:t>3/18/24</a:t>
             </a:fld>
             <a:endParaRPr lang="en-US" dirty="0"/>
           </a:p>
@@ -3852,7 +3852,7 @@
             <a:fld id="{5586B75A-687E-405C-8A0B-8D00578BA2C3}" type="datetimeFigureOut">
               <a:rPr lang="en-US" smtClean="0"/>
               <a:pPr/>
-              <a:t>3/5/24</a:t>
+              <a:t>3/18/24</a:t>
             </a:fld>
             <a:endParaRPr lang="en-US" dirty="0"/>
           </a:p>
@@ -4142,7 +4142,7 @@
             <a:fld id="{5586B75A-687E-405C-8A0B-8D00578BA2C3}" type="datetimeFigureOut">
               <a:rPr lang="en-US" smtClean="0"/>
               <a:pPr/>
-              <a:t>3/5/24</a:t>
+              <a:t>3/18/24</a:t>
             </a:fld>
             <a:endParaRPr lang="en-US" dirty="0"/>
           </a:p>
@@ -4586,7 +4586,7 @@
             <a:fld id="{5586B75A-687E-405C-8A0B-8D00578BA2C3}" type="datetimeFigureOut">
               <a:rPr lang="en-US" smtClean="0"/>
               <a:pPr/>
-              <a:t>3/5/24</a:t>
+              <a:t>3/18/24</a:t>
             </a:fld>
             <a:endParaRPr lang="en-US" dirty="0"/>
           </a:p>
@@ -4706,7 +4706,7 @@
             <a:fld id="{5586B75A-687E-405C-8A0B-8D00578BA2C3}" type="datetimeFigureOut">
               <a:rPr lang="en-US" smtClean="0"/>
               <a:pPr/>
-              <a:t>3/5/24</a:t>
+              <a:t>3/18/24</a:t>
             </a:fld>
             <a:endParaRPr lang="en-US" dirty="0"/>
           </a:p>
@@ -4803,7 +4803,7 @@
             <a:fld id="{5586B75A-687E-405C-8A0B-8D00578BA2C3}" type="datetimeFigureOut">
               <a:rPr lang="en-US" smtClean="0"/>
               <a:pPr/>
-              <a:t>3/5/24</a:t>
+              <a:t>3/18/24</a:t>
             </a:fld>
             <a:endParaRPr lang="en-US" dirty="0"/>
           </a:p>
@@ -5093,7 +5093,7 @@
             <a:fld id="{5586B75A-687E-405C-8A0B-8D00578BA2C3}" type="datetimeFigureOut">
               <a:rPr lang="en-US" smtClean="0"/>
               <a:pPr/>
-              <a:t>3/5/24</a:t>
+              <a:t>3/18/24</a:t>
             </a:fld>
             <a:endParaRPr lang="en-US" dirty="0"/>
           </a:p>
@@ -5368,7 +5368,7 @@
             <a:fld id="{5586B75A-687E-405C-8A0B-8D00578BA2C3}" type="datetimeFigureOut">
               <a:rPr lang="en-US" smtClean="0"/>
               <a:pPr/>
-              <a:t>3/5/24</a:t>
+              <a:t>3/18/24</a:t>
             </a:fld>
             <a:endParaRPr lang="en-US" dirty="0"/>
           </a:p>
@@ -5667,7 +5667,7 @@
             <a:fld id="{5586B75A-687E-405C-8A0B-8D00578BA2C3}" type="datetimeFigureOut">
               <a:rPr lang="en-US" smtClean="0"/>
               <a:pPr/>
-              <a:t>3/5/24</a:t>
+              <a:t>3/18/24</a:t>
             </a:fld>
             <a:endParaRPr lang="en-US" dirty="0"/>
           </a:p>
@@ -6224,7 +6224,7 @@
         <p:spPr>
           <a:xfrm>
             <a:off x="2286000" y="6342185"/>
-            <a:ext cx="7444410" cy="369332"/>
+            <a:ext cx="9147376" cy="369332"/>
           </a:xfrm>
           <a:prstGeom prst="rect">
             <a:avLst/>
@@ -6251,6 +6251,11 @@
               <a:rPr lang="en-US" dirty="0"/>
               <a:t>) </a:t>
             </a:r>
+            <a:r>
+              <a:rPr lang="en-US"/>
+              <a:t>and Kaitlyn Cook </a:t>
+            </a:r>
+            <a:endParaRPr lang="en-US" dirty="0"/>
           </a:p>
         </p:txBody>
       </p:sp>
@@ -11094,8 +11099,8 @@
           </a:p>
         </p:txBody>
       </p:sp>
-      <mc:AlternateContent xmlns:mc="http://schemas.openxmlformats.org/markup-compatibility/2006">
-        <mc:Choice xmlns:a14="http://schemas.microsoft.com/office/drawing/2010/main" Requires="a14">
+      <mc:AlternateContent xmlns:mc="http://schemas.openxmlformats.org/markup-compatibility/2006" xmlns:a14="http://schemas.microsoft.com/office/drawing/2010/main">
+        <mc:Choice Requires="a14">
           <p:sp>
             <p:nvSpPr>
               <p:cNvPr id="3" name="object 4">
@@ -11610,7 +11615,7 @@
             </p:txBody>
           </p:sp>
         </mc:Choice>
-        <mc:Fallback>
+        <mc:Fallback xmlns="">
           <p:sp>
             <p:nvSpPr>
               <p:cNvPr id="3" name="object 4">
@@ -13675,8 +13680,8 @@
           </a:p>
         </p:txBody>
       </p:sp>
-      <mc:AlternateContent xmlns:mc="http://schemas.openxmlformats.org/markup-compatibility/2006">
-        <mc:Choice xmlns:a14="http://schemas.microsoft.com/office/drawing/2010/main" Requires="a14">
+      <mc:AlternateContent xmlns:mc="http://schemas.openxmlformats.org/markup-compatibility/2006" xmlns:a14="http://schemas.microsoft.com/office/drawing/2010/main">
+        <mc:Choice Requires="a14">
           <p:sp>
             <p:nvSpPr>
               <p:cNvPr id="3" name="object 7">
@@ -14328,7 +14333,7 @@
             </p:txBody>
           </p:sp>
         </mc:Choice>
-        <mc:Fallback>
+        <mc:Fallback xmlns="">
           <p:sp>
             <p:nvSpPr>
               <p:cNvPr id="3" name="object 7">
@@ -14373,8 +14378,8 @@
           </p:sp>
         </mc:Fallback>
       </mc:AlternateContent>
-      <mc:AlternateContent xmlns:mc="http://schemas.openxmlformats.org/markup-compatibility/2006">
-        <mc:Choice xmlns:a14="http://schemas.microsoft.com/office/drawing/2010/main" Requires="a14">
+      <mc:AlternateContent xmlns:mc="http://schemas.openxmlformats.org/markup-compatibility/2006" xmlns:a14="http://schemas.microsoft.com/office/drawing/2010/main">
+        <mc:Choice Requires="a14">
           <p:sp>
             <p:nvSpPr>
               <p:cNvPr id="8" name="object 22">
@@ -14587,7 +14592,7 @@
             </p:txBody>
           </p:sp>
         </mc:Choice>
-        <mc:Fallback>
+        <mc:Fallback xmlns="">
           <p:sp>
             <p:nvSpPr>
               <p:cNvPr id="8" name="object 22">
@@ -38446,8 +38451,8 @@
           </a:p>
         </p:txBody>
       </p:sp>
-      <mc:AlternateContent xmlns:mc="http://schemas.openxmlformats.org/markup-compatibility/2006">
-        <mc:Choice xmlns:a14="http://schemas.microsoft.com/office/drawing/2010/main" Requires="a14">
+      <mc:AlternateContent xmlns:mc="http://schemas.openxmlformats.org/markup-compatibility/2006" xmlns:a14="http://schemas.microsoft.com/office/drawing/2010/main">
+        <mc:Choice Requires="a14">
           <p:sp>
             <p:nvSpPr>
               <p:cNvPr id="11" name="object 4">
@@ -39209,7 +39214,7 @@
             </p:txBody>
           </p:sp>
         </mc:Choice>
-        <mc:Fallback>
+        <mc:Fallback xmlns="">
           <p:sp>
             <p:nvSpPr>
               <p:cNvPr id="11" name="object 4">
